--- a/8Ball.pptx
+++ b/8Ball.pptx
@@ -282,7 +282,7 @@
             <a:fld id="{87DE6118-2437-4B30-8E3C-4D2BE6020583}" type="datetimeFigureOut">
               <a:rPr lang="en-US" dirty="0"/>
               <a:pPr/>
-              <a:t>11/27/18</a:t>
+              <a:t>12/4/18</a:t>
             </a:fld>
             <a:endParaRPr lang="en-US" dirty="0"/>
           </a:p>
@@ -608,7 +608,7 @@
           <a:p>
             <a:fld id="{87DE6118-2437-4B30-8E3C-4D2BE6020583}" type="datetimeFigureOut">
               <a:rPr lang="en-US" dirty="0"/>
-              <a:t>11/27/18</a:t>
+              <a:t>12/4/18</a:t>
             </a:fld>
             <a:endParaRPr lang="en-US" dirty="0"/>
           </a:p>
@@ -783,7 +783,7 @@
           <a:p>
             <a:fld id="{87DE6118-2437-4B30-8E3C-4D2BE6020583}" type="datetimeFigureOut">
               <a:rPr lang="en-US" dirty="0"/>
-              <a:t>11/27/18</a:t>
+              <a:t>12/4/18</a:t>
             </a:fld>
             <a:endParaRPr lang="en-US" dirty="0"/>
           </a:p>
@@ -948,7 +948,7 @@
           <a:p>
             <a:fld id="{87DE6118-2437-4B30-8E3C-4D2BE6020583}" type="datetimeFigureOut">
               <a:rPr lang="en-US" dirty="0"/>
-              <a:t>11/27/18</a:t>
+              <a:t>12/4/18</a:t>
             </a:fld>
             <a:endParaRPr lang="en-US" dirty="0"/>
           </a:p>
@@ -1221,7 +1221,7 @@
             <a:fld id="{87DE6118-2437-4B30-8E3C-4D2BE6020583}" type="datetimeFigureOut">
               <a:rPr lang="en-US" dirty="0"/>
               <a:pPr/>
-              <a:t>11/27/18</a:t>
+              <a:t>12/4/18</a:t>
             </a:fld>
             <a:endParaRPr lang="en-US" dirty="0"/>
           </a:p>
@@ -1611,7 +1611,7 @@
           <a:p>
             <a:fld id="{87DE6118-2437-4B30-8E3C-4D2BE6020583}" type="datetimeFigureOut">
               <a:rPr lang="en-US" dirty="0"/>
-              <a:t>11/27/18</a:t>
+              <a:t>12/4/18</a:t>
             </a:fld>
             <a:endParaRPr lang="en-US" dirty="0"/>
           </a:p>
@@ -2083,7 +2083,7 @@
           <a:p>
             <a:fld id="{87DE6118-2437-4B30-8E3C-4D2BE6020583}" type="datetimeFigureOut">
               <a:rPr lang="en-US" dirty="0"/>
-              <a:t>11/27/18</a:t>
+              <a:t>12/4/18</a:t>
             </a:fld>
             <a:endParaRPr lang="en-US" dirty="0"/>
           </a:p>
@@ -2196,7 +2196,7 @@
           <a:p>
             <a:fld id="{87DE6118-2437-4B30-8E3C-4D2BE6020583}" type="datetimeFigureOut">
               <a:rPr lang="en-US" dirty="0"/>
-              <a:t>11/27/18</a:t>
+              <a:t>12/4/18</a:t>
             </a:fld>
             <a:endParaRPr lang="en-US" dirty="0"/>
           </a:p>
@@ -2286,7 +2286,7 @@
           <a:p>
             <a:fld id="{87DE6118-2437-4B30-8E3C-4D2BE6020583}" type="datetimeFigureOut">
               <a:rPr lang="en-US" dirty="0"/>
-              <a:t>11/27/18</a:t>
+              <a:t>12/4/18</a:t>
             </a:fld>
             <a:endParaRPr lang="en-US" dirty="0"/>
           </a:p>
@@ -2628,7 +2628,7 @@
             <a:fld id="{87DE6118-2437-4B30-8E3C-4D2BE6020583}" type="datetimeFigureOut">
               <a:rPr lang="en-US" dirty="0"/>
               <a:pPr/>
-              <a:t>11/27/18</a:t>
+              <a:t>12/4/18</a:t>
             </a:fld>
             <a:endParaRPr lang="en-US" dirty="0"/>
           </a:p>
@@ -3013,7 +3013,7 @@
             <a:fld id="{87DE6118-2437-4B30-8E3C-4D2BE6020583}" type="datetimeFigureOut">
               <a:rPr lang="en-US" dirty="0"/>
               <a:pPr/>
-              <a:t>11/27/18</a:t>
+              <a:t>12/4/18</a:t>
             </a:fld>
             <a:endParaRPr lang="en-US" dirty="0"/>
           </a:p>
@@ -3288,7 +3288,7 @@
             <a:fld id="{87DE6118-2437-4B30-8E3C-4D2BE6020583}" type="datetimeFigureOut">
               <a:rPr lang="en-US" dirty="0"/>
               <a:pPr/>
-              <a:t>11/27/18</a:t>
+              <a:t>12/4/18</a:t>
             </a:fld>
             <a:endParaRPr lang="en-US" dirty="0"/>
           </a:p>
@@ -3999,6 +3999,48 @@
             <a:r>
               <a:rPr lang="en-US" sz="1400" dirty="0"/>
               <a:t>/code/magic-8-ball-written-in-python</a:t>
+            </a:r>
+          </a:p>
+        </p:txBody>
+      </p:sp>
+      <p:sp>
+        <p:nvSpPr>
+          <p:cNvPr id="4" name="TextBox 3">
+            <a:extLst>
+              <a:ext uri="{FF2B5EF4-FFF2-40B4-BE49-F238E27FC236}">
+                <a16:creationId xmlns:a16="http://schemas.microsoft.com/office/drawing/2014/main" id="{4A5F237B-9CE9-4048-BC5E-5BC5F77A10D9}"/>
+              </a:ext>
+            </a:extLst>
+          </p:cNvPr>
+          <p:cNvSpPr txBox="1"/>
+          <p:nvPr/>
+        </p:nvSpPr>
+        <p:spPr>
+          <a:xfrm>
+            <a:off x="3070370" y="2866248"/>
+            <a:ext cx="4739269" cy="461665"/>
+          </a:xfrm>
+          <a:prstGeom prst="rect">
+            <a:avLst/>
+          </a:prstGeom>
+          <a:noFill/>
+        </p:spPr>
+        <p:txBody>
+          <a:bodyPr wrap="square" rtlCol="0">
+            <a:spAutoFit/>
+          </a:bodyPr>
+          <a:lstStyle/>
+          <a:p>
+            <a:pPr algn="ctr"/>
+            <a:r>
+              <a:rPr lang="en-US" sz="2400" b="1" i="1" dirty="0">
+                <a:solidFill>
+                  <a:schemeClr val="accent6">
+                    <a:lumMod val="75000"/>
+                  </a:schemeClr>
+                </a:solidFill>
+              </a:rPr>
+              <a:t>“Take a risk to see your future”</a:t>
             </a:r>
           </a:p>
         </p:txBody>
